--- a/doc/atdd-overview.pptx
+++ b/doc/atdd-overview.pptx
@@ -291,7 +291,8 @@
           <a:p>
             <a:fld id="{A28C526B-CF25-BB4C-BCDC-E66BBF18B94E}" type="datetimeFigureOut">
               <a:rPr lang="en-US" smtClean="0"/>
-              <a:t>8/22/09</a:t>
+              <a:pPr/>
+              <a:t>10/6/09</a:t>
             </a:fld>
             <a:endParaRPr lang="en-US"/>
           </a:p>
@@ -333,6 +334,7 @@
           <a:p>
             <a:fld id="{9BA96B99-C1D7-694B-AE90-740244EDFB29}" type="slidenum">
               <a:rPr lang="en-US" smtClean="0"/>
+              <a:pPr/>
               <a:t>‹#›</a:t>
             </a:fld>
             <a:endParaRPr lang="en-US"/>
@@ -456,7 +458,8 @@
           <a:p>
             <a:fld id="{A28C526B-CF25-BB4C-BCDC-E66BBF18B94E}" type="datetimeFigureOut">
               <a:rPr lang="en-US" smtClean="0"/>
-              <a:t>8/22/09</a:t>
+              <a:pPr/>
+              <a:t>10/6/09</a:t>
             </a:fld>
             <a:endParaRPr lang="en-US"/>
           </a:p>
@@ -498,6 +501,7 @@
           <a:p>
             <a:fld id="{9BA96B99-C1D7-694B-AE90-740244EDFB29}" type="slidenum">
               <a:rPr lang="en-US" smtClean="0"/>
+              <a:pPr/>
               <a:t>‹#›</a:t>
             </a:fld>
             <a:endParaRPr lang="en-US"/>
@@ -631,7 +635,8 @@
           <a:p>
             <a:fld id="{A28C526B-CF25-BB4C-BCDC-E66BBF18B94E}" type="datetimeFigureOut">
               <a:rPr lang="en-US" smtClean="0"/>
-              <a:t>8/22/09</a:t>
+              <a:pPr/>
+              <a:t>10/6/09</a:t>
             </a:fld>
             <a:endParaRPr lang="en-US"/>
           </a:p>
@@ -673,6 +678,7 @@
           <a:p>
             <a:fld id="{9BA96B99-C1D7-694B-AE90-740244EDFB29}" type="slidenum">
               <a:rPr lang="en-US" smtClean="0"/>
+              <a:pPr/>
               <a:t>‹#›</a:t>
             </a:fld>
             <a:endParaRPr lang="en-US"/>
@@ -796,7 +802,8 @@
           <a:p>
             <a:fld id="{A28C526B-CF25-BB4C-BCDC-E66BBF18B94E}" type="datetimeFigureOut">
               <a:rPr lang="en-US" smtClean="0"/>
-              <a:t>8/22/09</a:t>
+              <a:pPr/>
+              <a:t>10/6/09</a:t>
             </a:fld>
             <a:endParaRPr lang="en-US"/>
           </a:p>
@@ -838,6 +845,7 @@
           <a:p>
             <a:fld id="{9BA96B99-C1D7-694B-AE90-740244EDFB29}" type="slidenum">
               <a:rPr lang="en-US" smtClean="0"/>
+              <a:pPr/>
               <a:t>‹#›</a:t>
             </a:fld>
             <a:endParaRPr lang="en-US"/>
@@ -1037,7 +1045,8 @@
           <a:p>
             <a:fld id="{A28C526B-CF25-BB4C-BCDC-E66BBF18B94E}" type="datetimeFigureOut">
               <a:rPr lang="en-US" smtClean="0"/>
-              <a:t>8/22/09</a:t>
+              <a:pPr/>
+              <a:t>10/6/09</a:t>
             </a:fld>
             <a:endParaRPr lang="en-US"/>
           </a:p>
@@ -1079,6 +1088,7 @@
           <a:p>
             <a:fld id="{9BA96B99-C1D7-694B-AE90-740244EDFB29}" type="slidenum">
               <a:rPr lang="en-US" smtClean="0"/>
+              <a:pPr/>
               <a:t>‹#›</a:t>
             </a:fld>
             <a:endParaRPr lang="en-US"/>
@@ -1320,7 +1330,8 @@
           <a:p>
             <a:fld id="{A28C526B-CF25-BB4C-BCDC-E66BBF18B94E}" type="datetimeFigureOut">
               <a:rPr lang="en-US" smtClean="0"/>
-              <a:t>8/22/09</a:t>
+              <a:pPr/>
+              <a:t>10/6/09</a:t>
             </a:fld>
             <a:endParaRPr lang="en-US"/>
           </a:p>
@@ -1362,6 +1373,7 @@
           <a:p>
             <a:fld id="{9BA96B99-C1D7-694B-AE90-740244EDFB29}" type="slidenum">
               <a:rPr lang="en-US" smtClean="0"/>
+              <a:pPr/>
               <a:t>‹#›</a:t>
             </a:fld>
             <a:endParaRPr lang="en-US"/>
@@ -1737,7 +1749,8 @@
           <a:p>
             <a:fld id="{A28C526B-CF25-BB4C-BCDC-E66BBF18B94E}" type="datetimeFigureOut">
               <a:rPr lang="en-US" smtClean="0"/>
-              <a:t>8/22/09</a:t>
+              <a:pPr/>
+              <a:t>10/6/09</a:t>
             </a:fld>
             <a:endParaRPr lang="en-US"/>
           </a:p>
@@ -1779,6 +1792,7 @@
           <a:p>
             <a:fld id="{9BA96B99-C1D7-694B-AE90-740244EDFB29}" type="slidenum">
               <a:rPr lang="en-US" smtClean="0"/>
+              <a:pPr/>
               <a:t>‹#›</a:t>
             </a:fld>
             <a:endParaRPr lang="en-US"/>
@@ -1850,7 +1864,8 @@
           <a:p>
             <a:fld id="{A28C526B-CF25-BB4C-BCDC-E66BBF18B94E}" type="datetimeFigureOut">
               <a:rPr lang="en-US" smtClean="0"/>
-              <a:t>8/22/09</a:t>
+              <a:pPr/>
+              <a:t>10/6/09</a:t>
             </a:fld>
             <a:endParaRPr lang="en-US"/>
           </a:p>
@@ -1892,6 +1907,7 @@
           <a:p>
             <a:fld id="{9BA96B99-C1D7-694B-AE90-740244EDFB29}" type="slidenum">
               <a:rPr lang="en-US" smtClean="0"/>
+              <a:pPr/>
               <a:t>‹#›</a:t>
             </a:fld>
             <a:endParaRPr lang="en-US"/>
@@ -1940,7 +1956,8 @@
           <a:p>
             <a:fld id="{A28C526B-CF25-BB4C-BCDC-E66BBF18B94E}" type="datetimeFigureOut">
               <a:rPr lang="en-US" smtClean="0"/>
-              <a:t>8/22/09</a:t>
+              <a:pPr/>
+              <a:t>10/6/09</a:t>
             </a:fld>
             <a:endParaRPr lang="en-US"/>
           </a:p>
@@ -1982,6 +1999,7 @@
           <a:p>
             <a:fld id="{9BA96B99-C1D7-694B-AE90-740244EDFB29}" type="slidenum">
               <a:rPr lang="en-US" smtClean="0"/>
+              <a:pPr/>
               <a:t>‹#›</a:t>
             </a:fld>
             <a:endParaRPr lang="en-US"/>
@@ -2212,7 +2230,8 @@
           <a:p>
             <a:fld id="{A28C526B-CF25-BB4C-BCDC-E66BBF18B94E}" type="datetimeFigureOut">
               <a:rPr lang="en-US" smtClean="0"/>
-              <a:t>8/22/09</a:t>
+              <a:pPr/>
+              <a:t>10/6/09</a:t>
             </a:fld>
             <a:endParaRPr lang="en-US"/>
           </a:p>
@@ -2254,6 +2273,7 @@
           <a:p>
             <a:fld id="{9BA96B99-C1D7-694B-AE90-740244EDFB29}" type="slidenum">
               <a:rPr lang="en-US" smtClean="0"/>
+              <a:pPr/>
               <a:t>‹#›</a:t>
             </a:fld>
             <a:endParaRPr lang="en-US"/>
@@ -2460,7 +2480,8 @@
           <a:p>
             <a:fld id="{A28C526B-CF25-BB4C-BCDC-E66BBF18B94E}" type="datetimeFigureOut">
               <a:rPr lang="en-US" smtClean="0"/>
-              <a:t>8/22/09</a:t>
+              <a:pPr/>
+              <a:t>10/6/09</a:t>
             </a:fld>
             <a:endParaRPr lang="en-US"/>
           </a:p>
@@ -2502,6 +2523,7 @@
           <a:p>
             <a:fld id="{9BA96B99-C1D7-694B-AE90-740244EDFB29}" type="slidenum">
               <a:rPr lang="en-US" smtClean="0"/>
+              <a:pPr/>
               <a:t>‹#›</a:t>
             </a:fld>
             <a:endParaRPr lang="en-US"/>
@@ -2668,7 +2690,8 @@
           <a:p>
             <a:fld id="{A28C526B-CF25-BB4C-BCDC-E66BBF18B94E}" type="datetimeFigureOut">
               <a:rPr lang="en-US" smtClean="0"/>
-              <a:t>8/22/09</a:t>
+              <a:pPr/>
+              <a:t>10/6/09</a:t>
             </a:fld>
             <a:endParaRPr lang="en-US"/>
           </a:p>
@@ -2746,6 +2769,7 @@
           <a:p>
             <a:fld id="{9BA96B99-C1D7-694B-AE90-740244EDFB29}" type="slidenum">
               <a:rPr lang="en-US" smtClean="0"/>
+              <a:pPr/>
               <a:t>‹#›</a:t>
             </a:fld>
             <a:endParaRPr lang="en-US"/>
@@ -3065,7 +3089,7 @@
       </p:sp>
       <p:pic>
         <p:nvPicPr>
-          <p:cNvPr id="7" name="Picture 6" descr="atdd-wholecycle.eps"/>
+          <p:cNvPr id="4" name="Picture 3" descr="atdd-cycle-bas-terms.eps"/>
           <p:cNvPicPr>
             <a:picLocks noChangeAspect="1"/>
           </p:cNvPicPr>
@@ -3091,8 +3115,8 @@
         </mc:AlternateContent>
         <p:spPr>
           <a:xfrm>
-            <a:off x="770689" y="1295400"/>
-            <a:ext cx="7535111" cy="4984541"/>
+            <a:off x="762000" y="1174749"/>
+            <a:ext cx="7397750" cy="5079693"/>
           </a:xfrm>
           <a:prstGeom prst="rect">
             <a:avLst/>
@@ -3141,7 +3165,11 @@
           <a:p>
             <a:r>
               <a:rPr lang="en-US" dirty="0" smtClean="0"/>
-              <a:t>ATDD: Define</a:t>
+              <a:t>ATDD:</a:t>
+            </a:r>
+            <a:r>
+              <a:rPr lang="en-US" dirty="0" smtClean="0"/>
+              <a:t> Discuss</a:t>
             </a:r>
             <a:endParaRPr lang="en-US" dirty="0"/>
           </a:p>
@@ -3420,7 +3448,11 @@
           <a:p>
             <a:r>
               <a:rPr lang="en-US" dirty="0" smtClean="0"/>
-              <a:t>ATDD: Implement</a:t>
+              <a:t>ATDD:</a:t>
+            </a:r>
+            <a:r>
+              <a:rPr lang="en-US" dirty="0" smtClean="0"/>
+              <a:t> Develop</a:t>
             </a:r>
             <a:endParaRPr lang="en-US" dirty="0"/>
           </a:p>
@@ -3428,7 +3460,7 @@
       </p:sp>
       <p:pic>
         <p:nvPicPr>
-          <p:cNvPr id="11" name="Picture 10" descr="devteam.pdf"/>
+          <p:cNvPr id="20" name="Picture 19" descr="atdd-3pt-develop.eps"/>
           <p:cNvPicPr>
             <a:picLocks noChangeAspect="1"/>
           </p:cNvPicPr>
@@ -3454,228 +3486,14 @@
         </mc:AlternateContent>
         <p:spPr>
           <a:xfrm>
-            <a:off x="3581400" y="1024551"/>
-            <a:ext cx="1993900" cy="1555242"/>
+            <a:off x="1295400" y="1024551"/>
+            <a:ext cx="6134100" cy="5430547"/>
           </a:xfrm>
           <a:prstGeom prst="rect">
             <a:avLst/>
           </a:prstGeom>
         </p:spPr>
       </p:pic>
-      <p:pic>
-        <p:nvPicPr>
-          <p:cNvPr id="12" name="Picture 11" descr="table.pdf"/>
-          <p:cNvPicPr>
-            <a:picLocks noChangeAspect="1"/>
-          </p:cNvPicPr>
-          <p:nvPr/>
-        </p:nvPicPr>
-        <mc:AlternateContent>
-          <mc:Choice xmlns:ma="http://schemas.microsoft.com/office/mac/drawingml/2008/main" Requires="ma">
-            <p:blipFill>
-              <a:blip r:embed="rId4"/>
-              <a:stretch>
-                <a:fillRect/>
-              </a:stretch>
-            </p:blipFill>
-          </mc:Choice>
-          <mc:Fallback>
-            <p:blipFill>
-              <a:blip r:embed="rId5"/>
-              <a:stretch>
-                <a:fillRect/>
-              </a:stretch>
-            </p:blipFill>
-          </mc:Fallback>
-        </mc:AlternateContent>
-        <p:spPr>
-          <a:xfrm>
-            <a:off x="1911838" y="2711451"/>
-            <a:ext cx="2202962" cy="1397000"/>
-          </a:xfrm>
-          <a:prstGeom prst="rect">
-            <a:avLst/>
-          </a:prstGeom>
-        </p:spPr>
-      </p:pic>
-      <p:pic>
-        <p:nvPicPr>
-          <p:cNvPr id="14" name="Picture 13" descr="tddcycle.pdf"/>
-          <p:cNvPicPr>
-            <a:picLocks noChangeAspect="1"/>
-          </p:cNvPicPr>
-          <p:nvPr/>
-        </p:nvPicPr>
-        <mc:AlternateContent>
-          <mc:Choice xmlns:ma="http://schemas.microsoft.com/office/mac/drawingml/2008/main" Requires="ma">
-            <p:blipFill>
-              <a:blip r:embed="rId6"/>
-              <a:stretch>
-                <a:fillRect/>
-              </a:stretch>
-            </p:blipFill>
-          </mc:Choice>
-          <mc:Fallback>
-            <p:blipFill>
-              <a:blip r:embed="rId7"/>
-              <a:stretch>
-                <a:fillRect/>
-              </a:stretch>
-            </p:blipFill>
-          </mc:Fallback>
-        </mc:AlternateContent>
-        <p:spPr>
-          <a:xfrm>
-            <a:off x="3020428" y="4648200"/>
-            <a:ext cx="2188743" cy="2116388"/>
-          </a:xfrm>
-          <a:prstGeom prst="rect">
-            <a:avLst/>
-          </a:prstGeom>
-        </p:spPr>
-      </p:pic>
-      <p:pic>
-        <p:nvPicPr>
-          <p:cNvPr id="15" name="Picture 14" descr="prodcode.pdf"/>
-          <p:cNvPicPr>
-            <a:picLocks noChangeAspect="1"/>
-          </p:cNvPicPr>
-          <p:nvPr/>
-        </p:nvPicPr>
-        <mc:AlternateContent>
-          <mc:Choice xmlns:ma="http://schemas.microsoft.com/office/mac/drawingml/2008/main" Requires="ma">
-            <p:blipFill>
-              <a:blip r:embed="rId8"/>
-              <a:stretch>
-                <a:fillRect/>
-              </a:stretch>
-            </p:blipFill>
-          </mc:Choice>
-          <mc:Fallback>
-            <p:blipFill>
-              <a:blip r:embed="rId9"/>
-              <a:stretch>
-                <a:fillRect/>
-              </a:stretch>
-            </p:blipFill>
-          </mc:Fallback>
-        </mc:AlternateContent>
-        <p:spPr>
-          <a:xfrm>
-            <a:off x="4883638" y="4502149"/>
-            <a:ext cx="2068877" cy="1250949"/>
-          </a:xfrm>
-          <a:prstGeom prst="rect">
-            <a:avLst/>
-          </a:prstGeom>
-        </p:spPr>
-      </p:pic>
-      <p:pic>
-        <p:nvPicPr>
-          <p:cNvPr id="16" name="Picture 15" descr="testcode.pdf"/>
-          <p:cNvPicPr>
-            <a:picLocks noChangeAspect="1"/>
-          </p:cNvPicPr>
-          <p:nvPr/>
-        </p:nvPicPr>
-        <mc:AlternateContent>
-          <mc:Choice xmlns:ma="http://schemas.microsoft.com/office/mac/drawingml/2008/main" Requires="ma">
-            <p:blipFill>
-              <a:blip r:embed="rId10"/>
-              <a:stretch>
-                <a:fillRect/>
-              </a:stretch>
-            </p:blipFill>
-          </mc:Choice>
-          <mc:Fallback>
-            <p:blipFill>
-              <a:blip r:embed="rId11"/>
-              <a:stretch>
-                <a:fillRect/>
-              </a:stretch>
-            </p:blipFill>
-          </mc:Fallback>
-        </mc:AlternateContent>
-        <p:spPr>
-          <a:xfrm>
-            <a:off x="4883638" y="2711451"/>
-            <a:ext cx="2068877" cy="1250949"/>
-          </a:xfrm>
-          <a:prstGeom prst="rect">
-            <a:avLst/>
-          </a:prstGeom>
-        </p:spPr>
-      </p:pic>
-      <p:cxnSp>
-        <p:nvCxnSpPr>
-          <p:cNvPr id="21" name="Straight Connector 20"/>
-          <p:cNvCxnSpPr/>
-          <p:nvPr/>
-        </p:nvCxnSpPr>
-        <p:spPr>
-          <a:xfrm flipV="1">
-            <a:off x="4114800" y="3048002"/>
-            <a:ext cx="768838" cy="609598"/>
-          </a:xfrm>
-          <a:prstGeom prst="curvedConnector3">
-            <a:avLst>
-              <a:gd name="adj1" fmla="val 41942"/>
-            </a:avLst>
-          </a:prstGeom>
-          <a:ln w="63500">
-            <a:tailEnd type="arrow"/>
-          </a:ln>
-        </p:spPr>
-        <p:style>
-          <a:lnRef idx="2">
-            <a:schemeClr val="accent1"/>
-          </a:lnRef>
-          <a:fillRef idx="0">
-            <a:schemeClr val="accent1"/>
-          </a:fillRef>
-          <a:effectRef idx="1">
-            <a:schemeClr val="accent1"/>
-          </a:effectRef>
-          <a:fontRef idx="minor">
-            <a:schemeClr val="tx1"/>
-          </a:fontRef>
-        </p:style>
-      </p:cxnSp>
-      <p:cxnSp>
-        <p:nvCxnSpPr>
-          <p:cNvPr id="29" name="Straight Connector 20"/>
-          <p:cNvCxnSpPr/>
-          <p:nvPr/>
-        </p:nvCxnSpPr>
-        <p:spPr>
-          <a:xfrm rot="16200000" flipH="1">
-            <a:off x="5489237" y="3814365"/>
-            <a:ext cx="690562" cy="685006"/>
-          </a:xfrm>
-          <a:prstGeom prst="curvedConnector3">
-            <a:avLst>
-              <a:gd name="adj1" fmla="val 25327"/>
-            </a:avLst>
-          </a:prstGeom>
-          <a:ln w="63500">
-            <a:tailEnd type="arrow"/>
-          </a:ln>
-        </p:spPr>
-        <p:style>
-          <a:lnRef idx="2">
-            <a:schemeClr val="accent1"/>
-          </a:lnRef>
-          <a:fillRef idx="0">
-            <a:schemeClr val="accent1"/>
-          </a:fillRef>
-          <a:effectRef idx="1">
-            <a:schemeClr val="accent1"/>
-          </a:effectRef>
-          <a:fontRef idx="minor">
-            <a:schemeClr val="tx1"/>
-          </a:fontRef>
-        </p:style>
-      </p:cxnSp>
     </p:spTree>
   </p:cSld>
   <p:clrMapOvr>
